--- a/Final Linux Presentation.pptx
+++ b/Final Linux Presentation.pptx
@@ -3779,7 +3779,7 @@
         <p:spPr>
           <a:xfrm>
             <a:off x="457200" y="2470933"/>
-            <a:ext cx="8229600" cy="3539431"/>
+            <a:ext cx="8229600" cy="2677656"/>
           </a:xfrm>
           <a:prstGeom prst="rect">
             <a:avLst/>
@@ -3838,28 +3838,11 @@
             </a:r>
             <a:r>
               <a:rPr lang="en-US" sz="2800" dirty="0" smtClean="0"/>
-              <a:t>it</a:t>
-            </a:r>
-          </a:p>
-          <a:p>
-            <a:pPr marL="457200" indent="-457200">
-              <a:buFont typeface="Arial"/>
-              <a:buChar char="•"/>
-            </a:pPr>
-            <a:endParaRPr lang="en-US" sz="2800" dirty="0"/>
-          </a:p>
-          <a:p>
-            <a:pPr marL="457200" indent="-457200">
-              <a:buFont typeface="Arial"/>
-              <a:buChar char="•"/>
-            </a:pPr>
-            <a:r>
-              <a:rPr lang="en-US" sz="2800" dirty="0"/>
-              <a:t>as simple, </a:t>
+              <a:t>it as simple as it can, and effective</a:t>
             </a:r>
             <a:r>
               <a:rPr lang="en-US" sz="2800" dirty="0" smtClean="0"/>
-              <a:t>effective.</a:t>
+              <a:t>.</a:t>
             </a:r>
             <a:endParaRPr lang="en-US" sz="2800" dirty="0"/>
           </a:p>
